--- a/DMA - Final PPT.pptx
+++ b/DMA - Final PPT.pptx
@@ -13,8 +13,7 @@
     <p:sldId id="257" r:id="rId6"/>
     <p:sldId id="258" r:id="rId7"/>
     <p:sldId id="263" r:id="rId8"/>
-    <p:sldId id="265" r:id="rId9"/>
-    <p:sldId id="266" r:id="rId10"/>
+    <p:sldId id="266" r:id="rId9"/>
   </p:sldIdLst>
   <p:sldSz cx="12192000" cy="6858000"/>
   <p:notesSz cx="6858000" cy="9144000"/>
@@ -5272,7 +5271,6 @@
             </a:r>
             <a:r>
               <a:rPr lang="en-US" sz="4000" b="1" dirty="0">
-                <a:ln/>
                 <a:solidFill>
                   <a:schemeClr val="tx1"/>
                 </a:solidFill>
@@ -5289,7 +5287,6 @@
               <a:t>Proposed Methodology</a:t>
             </a:r>
             <a:endParaRPr lang="en-US" sz="4000" b="1" dirty="0">
-              <a:ln/>
               <a:solidFill>
                 <a:schemeClr val="tx1"/>
               </a:solidFill>
@@ -6668,68 +6665,6 @@
           <a:p>
             <a:r>
               <a:rPr lang="en-IN" altLang="en-US" b="1"/>
-              <a:t>Leaderboard Ranking</a:t>
-            </a:r>
-            <a:r>
-              <a:rPr lang="en-IN" altLang="en-US"/>
-              <a:t> : </a:t>
-            </a:r>
-            <a:endParaRPr lang="en-IN" altLang="en-US"/>
-          </a:p>
-        </p:txBody>
-      </p:sp>
-      <p:sp>
-        <p:nvSpPr>
-          <p:cNvPr id="3" name="Content Placeholder 2"/>
-          <p:cNvSpPr>
-            <a:spLocks noGrp="1"/>
-          </p:cNvSpPr>
-          <p:nvPr>
-            <p:ph idx="1"/>
-          </p:nvPr>
-        </p:nvSpPr>
-        <p:spPr/>
-        <p:txBody>
-          <a:bodyPr/>
-          <a:p>
-            <a:endParaRPr lang="en-US"/>
-          </a:p>
-        </p:txBody>
-      </p:sp>
-    </p:spTree>
-  </p:cSld>
-  <p:clrMapOvr>
-    <a:masterClrMapping/>
-  </p:clrMapOvr>
-</p:sld>
-</file>
-
-<file path=ppt/slides/slide7.xml><?xml version="1.0" encoding="utf-8"?>
-<p:sld xmlns:a="http://schemas.openxmlformats.org/drawingml/2006/main" xmlns:r="http://schemas.openxmlformats.org/officeDocument/2006/relationships" xmlns:p="http://schemas.openxmlformats.org/presentationml/2006/main">
-  <p:cSld>
-    <p:spTree>
-      <p:nvGrpSpPr>
-        <p:cNvPr id="1" name=""/>
-        <p:cNvGrpSpPr/>
-        <p:nvPr/>
-      </p:nvGrpSpPr>
-      <p:grpSpPr/>
-      <p:sp>
-        <p:nvSpPr>
-          <p:cNvPr id="2" name="Title 1"/>
-          <p:cNvSpPr>
-            <a:spLocks noGrp="1"/>
-          </p:cNvSpPr>
-          <p:nvPr>
-            <p:ph type="title"/>
-          </p:nvPr>
-        </p:nvSpPr>
-        <p:spPr/>
-        <p:txBody>
-          <a:bodyPr/>
-          <a:p>
-            <a:r>
-              <a:rPr lang="en-IN" altLang="en-US" b="1"/>
               <a:t>Contribution Of Team Members </a:t>
             </a:r>
             <a:r>

--- a/DMA - Final PPT.pptx
+++ b/DMA - Final PPT.pptx
@@ -10,10 +10,11 @@
   <p:sldIdLst>
     <p:sldId id="262" r:id="rId3"/>
     <p:sldId id="261" r:id="rId4"/>
-    <p:sldId id="257" r:id="rId6"/>
-    <p:sldId id="258" r:id="rId7"/>
-    <p:sldId id="263" r:id="rId8"/>
-    <p:sldId id="266" r:id="rId9"/>
+    <p:sldId id="266" r:id="rId6"/>
+    <p:sldId id="271" r:id="rId7"/>
+    <p:sldId id="257" r:id="rId8"/>
+    <p:sldId id="258" r:id="rId9"/>
+    <p:sldId id="263" r:id="rId10"/>
   </p:sldIdLst>
   <p:sldSz cx="12192000" cy="6858000"/>
   <p:notesSz cx="6858000" cy="9144000"/>
@@ -5089,6 +5090,654 @@
         <p:cNvGrpSpPr/>
         <p:nvPr/>
       </p:nvGrpSpPr>
+      <p:grpSpPr/>
+      <p:sp>
+        <p:nvSpPr>
+          <p:cNvPr id="2" name="Title 1"/>
+          <p:cNvSpPr>
+            <a:spLocks noGrp="1"/>
+          </p:cNvSpPr>
+          <p:nvPr>
+            <p:ph type="title"/>
+          </p:nvPr>
+        </p:nvSpPr>
+        <p:spPr/>
+        <p:txBody>
+          <a:bodyPr/>
+          <a:p>
+            <a:r>
+              <a:rPr lang="en-IN" altLang="en-US" b="1">
+                <a:latin typeface="Georgia" panose="02040502050405020303" charset="0"/>
+                <a:cs typeface="Georgia" panose="02040502050405020303" charset="0"/>
+              </a:rPr>
+              <a:t>Contribution Of Team Members </a:t>
+            </a:r>
+            <a:r>
+              <a:rPr lang="en-IN" altLang="en-US">
+                <a:latin typeface="Georgia" panose="02040502050405020303" charset="0"/>
+                <a:cs typeface="Georgia" panose="02040502050405020303" charset="0"/>
+              </a:rPr>
+              <a:t>: </a:t>
+            </a:r>
+            <a:endParaRPr lang="en-IN" altLang="en-US">
+              <a:latin typeface="Georgia" panose="02040502050405020303" charset="0"/>
+              <a:cs typeface="Georgia" panose="02040502050405020303" charset="0"/>
+            </a:endParaRPr>
+          </a:p>
+        </p:txBody>
+      </p:sp>
+      <p:sp>
+        <p:nvSpPr>
+          <p:cNvPr id="3" name="Content Placeholder 2"/>
+          <p:cNvSpPr>
+            <a:spLocks noGrp="1"/>
+          </p:cNvSpPr>
+          <p:nvPr>
+            <p:ph idx="1"/>
+          </p:nvPr>
+        </p:nvSpPr>
+        <p:spPr>
+          <a:xfrm>
+            <a:off x="492760" y="1955165"/>
+            <a:ext cx="11095990" cy="4351655"/>
+          </a:xfrm>
+        </p:spPr>
+        <p:txBody>
+          <a:bodyPr>
+            <a:normAutofit lnSpcReduction="10000"/>
+          </a:bodyPr>
+          <a:p>
+            <a:r>
+              <a:rPr lang="en-IN" altLang="en-US" sz="2400">
+                <a:latin typeface="Georgia" panose="02040502050405020303" charset="0"/>
+                <a:cs typeface="Georgia" panose="02040502050405020303" charset="0"/>
+                <a:sym typeface="+mn-ea"/>
+              </a:rPr>
+              <a:t>Abhishek Rao            :  </a:t>
+            </a:r>
+            <a:r>
+              <a:rPr lang="en-US" altLang="en-IN" sz="2400">
+                <a:latin typeface="Georgia" panose="02040502050405020303" charset="0"/>
+                <a:cs typeface="Georgia" panose="02040502050405020303" charset="0"/>
+                <a:sym typeface="+mn-ea"/>
+              </a:rPr>
+              <a:t>Preprocessing ,</a:t>
+            </a:r>
+            <a:r>
+              <a:rPr lang="en-IN" altLang="en-US" sz="2400">
+                <a:latin typeface="Georgia" panose="02040502050405020303" charset="0"/>
+                <a:cs typeface="Georgia" panose="02040502050405020303" charset="0"/>
+                <a:sym typeface="+mn-ea"/>
+              </a:rPr>
+              <a:t> Linear SVC model, XLM embeddings.</a:t>
+            </a:r>
+            <a:endParaRPr lang="en-IN" altLang="en-US" sz="2400">
+              <a:latin typeface="Georgia" panose="02040502050405020303" charset="0"/>
+              <a:cs typeface="Georgia" panose="02040502050405020303" charset="0"/>
+              <a:sym typeface="+mn-ea"/>
+            </a:endParaRPr>
+          </a:p>
+          <a:p>
+            <a:endParaRPr lang="en-IN" altLang="en-US" sz="2400">
+              <a:latin typeface="Georgia" panose="02040502050405020303" charset="0"/>
+              <a:cs typeface="Georgia" panose="02040502050405020303" charset="0"/>
+            </a:endParaRPr>
+          </a:p>
+          <a:p>
+            <a:r>
+              <a:rPr lang="en-IN" altLang="en-US" sz="2400">
+                <a:latin typeface="Georgia" panose="02040502050405020303" charset="0"/>
+                <a:cs typeface="Georgia" panose="02040502050405020303" charset="0"/>
+              </a:rPr>
+              <a:t>Madhurika Ganiger  :  </a:t>
+            </a:r>
+            <a:r>
+              <a:rPr lang="en-US" altLang="en-IN" sz="2400">
+                <a:latin typeface="Georgia" panose="02040502050405020303" charset="0"/>
+                <a:cs typeface="Georgia" panose="02040502050405020303" charset="0"/>
+                <a:sym typeface="+mn-ea"/>
+              </a:rPr>
+              <a:t>Preprocessing , </a:t>
+            </a:r>
+            <a:r>
+              <a:rPr lang="en-IN" altLang="en-US" sz="2400">
+                <a:latin typeface="Georgia" panose="02040502050405020303" charset="0"/>
+                <a:cs typeface="Georgia" panose="02040502050405020303" charset="0"/>
+              </a:rPr>
+              <a:t>Fasttext </a:t>
+            </a:r>
+            <a:r>
+              <a:rPr lang="en-IN" altLang="en-US" sz="2400">
+                <a:latin typeface="Georgia" panose="02040502050405020303" charset="0"/>
+                <a:cs typeface="Georgia" panose="02040502050405020303" charset="0"/>
+                <a:sym typeface="+mn-ea"/>
+              </a:rPr>
+              <a:t>embeddings, LSTM model.</a:t>
+            </a:r>
+            <a:endParaRPr lang="en-IN" altLang="en-US" sz="2400">
+              <a:latin typeface="Georgia" panose="02040502050405020303" charset="0"/>
+              <a:cs typeface="Georgia" panose="02040502050405020303" charset="0"/>
+              <a:sym typeface="+mn-ea"/>
+            </a:endParaRPr>
+          </a:p>
+          <a:p>
+            <a:endParaRPr lang="en-IN" altLang="en-US" sz="2400">
+              <a:latin typeface="Georgia" panose="02040502050405020303" charset="0"/>
+              <a:cs typeface="Georgia" panose="02040502050405020303" charset="0"/>
+            </a:endParaRPr>
+          </a:p>
+          <a:p>
+            <a:r>
+              <a:rPr lang="en-IN" altLang="en-US" sz="2400">
+                <a:latin typeface="Georgia" panose="02040502050405020303" charset="0"/>
+                <a:cs typeface="Georgia" panose="02040502050405020303" charset="0"/>
+                <a:sym typeface="+mn-ea"/>
+              </a:rPr>
+              <a:t>Sakshi Tahlani           :   </a:t>
+            </a:r>
+            <a:r>
+              <a:rPr lang="en-US" altLang="en-IN" sz="2400">
+                <a:latin typeface="Georgia" panose="02040502050405020303" charset="0"/>
+                <a:cs typeface="Georgia" panose="02040502050405020303" charset="0"/>
+                <a:sym typeface="+mn-ea"/>
+              </a:rPr>
+              <a:t>Preprocessing , </a:t>
+            </a:r>
+            <a:r>
+              <a:rPr lang="en-IN" altLang="en-US" sz="2400">
+                <a:latin typeface="Georgia" panose="02040502050405020303" charset="0"/>
+                <a:cs typeface="Georgia" panose="02040502050405020303" charset="0"/>
+                <a:sym typeface="+mn-ea"/>
+              </a:rPr>
+              <a:t>Fasttext embeddings, LSTM model.</a:t>
+            </a:r>
+            <a:endParaRPr lang="en-IN" altLang="en-US" sz="2400">
+              <a:latin typeface="Georgia" panose="02040502050405020303" charset="0"/>
+              <a:cs typeface="Georgia" panose="02040502050405020303" charset="0"/>
+              <a:sym typeface="+mn-ea"/>
+            </a:endParaRPr>
+          </a:p>
+          <a:p>
+            <a:endParaRPr lang="en-IN" altLang="en-US" sz="2400">
+              <a:latin typeface="Georgia" panose="02040502050405020303" charset="0"/>
+              <a:cs typeface="Georgia" panose="02040502050405020303" charset="0"/>
+            </a:endParaRPr>
+          </a:p>
+          <a:p>
+            <a:r>
+              <a:rPr lang="en-IN" altLang="en-US" sz="2400">
+                <a:latin typeface="Georgia" panose="02040502050405020303" charset="0"/>
+                <a:cs typeface="Georgia" panose="02040502050405020303" charset="0"/>
+              </a:rPr>
+              <a:t>Varun Bohara            :   </a:t>
+            </a:r>
+            <a:r>
+              <a:rPr lang="en-US" altLang="en-IN" sz="2400">
+                <a:latin typeface="Georgia" panose="02040502050405020303" charset="0"/>
+                <a:cs typeface="Georgia" panose="02040502050405020303" charset="0"/>
+                <a:sym typeface="+mn-ea"/>
+              </a:rPr>
+              <a:t>Preprocessing , </a:t>
+            </a:r>
+            <a:r>
+              <a:rPr lang="en-IN" altLang="en-US" sz="2400">
+                <a:latin typeface="Georgia" panose="02040502050405020303" charset="0"/>
+                <a:cs typeface="Georgia" panose="02040502050405020303" charset="0"/>
+                <a:sym typeface="+mn-ea"/>
+              </a:rPr>
+              <a:t>Linear SVC model, XLM embeddings.</a:t>
+            </a:r>
+            <a:endParaRPr lang="en-IN" altLang="en-US" sz="2400">
+              <a:latin typeface="Georgia" panose="02040502050405020303" charset="0"/>
+              <a:cs typeface="Georgia" panose="02040502050405020303" charset="0"/>
+              <a:sym typeface="+mn-ea"/>
+            </a:endParaRPr>
+          </a:p>
+          <a:p>
+            <a:endParaRPr lang="en-IN" altLang="en-US" sz="2400">
+              <a:latin typeface="Georgia" panose="02040502050405020303" charset="0"/>
+              <a:cs typeface="Georgia" panose="02040502050405020303" charset="0"/>
+              <a:sym typeface="+mn-ea"/>
+            </a:endParaRPr>
+          </a:p>
+        </p:txBody>
+      </p:sp>
+      <p:sp>
+        <p:nvSpPr>
+          <p:cNvPr id="4" name="Text Box 3"/>
+          <p:cNvSpPr txBox="1"/>
+          <p:nvPr/>
+        </p:nvSpPr>
+        <p:spPr>
+          <a:xfrm>
+            <a:off x="847725" y="4012565"/>
+            <a:ext cx="611505" cy="368300"/>
+          </a:xfrm>
+          <a:prstGeom prst="rect">
+            <a:avLst/>
+          </a:prstGeom>
+          <a:noFill/>
+        </p:spPr>
+        <p:txBody>
+          <a:bodyPr wrap="square" rtlCol="0">
+            <a:spAutoFit/>
+          </a:bodyPr>
+          <a:p>
+            <a:r>
+              <a:rPr lang="en-US"/>
+              <a:t>531</a:t>
+            </a:r>
+            <a:endParaRPr lang="en-US"/>
+          </a:p>
+        </p:txBody>
+      </p:sp>
+      <p:sp>
+        <p:nvSpPr>
+          <p:cNvPr id="5" name="Text Box 4"/>
+          <p:cNvSpPr txBox="1"/>
+          <p:nvPr/>
+        </p:nvSpPr>
+        <p:spPr>
+          <a:xfrm>
+            <a:off x="868045" y="4788535"/>
+            <a:ext cx="611505" cy="368300"/>
+          </a:xfrm>
+          <a:prstGeom prst="rect">
+            <a:avLst/>
+          </a:prstGeom>
+          <a:noFill/>
+        </p:spPr>
+        <p:txBody>
+          <a:bodyPr wrap="square" rtlCol="0">
+            <a:spAutoFit/>
+          </a:bodyPr>
+          <a:p>
+            <a:r>
+              <a:rPr lang="en-US"/>
+              <a:t>538</a:t>
+            </a:r>
+            <a:endParaRPr lang="en-US"/>
+          </a:p>
+        </p:txBody>
+      </p:sp>
+      <p:sp>
+        <p:nvSpPr>
+          <p:cNvPr id="6" name="Text Box 5"/>
+          <p:cNvSpPr txBox="1"/>
+          <p:nvPr/>
+        </p:nvSpPr>
+        <p:spPr>
+          <a:xfrm>
+            <a:off x="868045" y="2288540"/>
+            <a:ext cx="611505" cy="368300"/>
+          </a:xfrm>
+          <a:prstGeom prst="rect">
+            <a:avLst/>
+          </a:prstGeom>
+          <a:noFill/>
+        </p:spPr>
+        <p:txBody>
+          <a:bodyPr wrap="square" rtlCol="0">
+            <a:spAutoFit/>
+          </a:bodyPr>
+          <a:p>
+            <a:r>
+              <a:rPr lang="en-US"/>
+              <a:t>555</a:t>
+            </a:r>
+            <a:endParaRPr lang="en-US"/>
+          </a:p>
+        </p:txBody>
+      </p:sp>
+      <p:sp>
+        <p:nvSpPr>
+          <p:cNvPr id="7" name="Text Box 6"/>
+          <p:cNvSpPr txBox="1"/>
+          <p:nvPr/>
+        </p:nvSpPr>
+        <p:spPr>
+          <a:xfrm>
+            <a:off x="868045" y="3138170"/>
+            <a:ext cx="611505" cy="368300"/>
+          </a:xfrm>
+          <a:prstGeom prst="rect">
+            <a:avLst/>
+          </a:prstGeom>
+          <a:noFill/>
+        </p:spPr>
+        <p:txBody>
+          <a:bodyPr wrap="square" rtlCol="0">
+            <a:spAutoFit/>
+          </a:bodyPr>
+          <a:p>
+            <a:r>
+              <a:rPr lang="en-US"/>
+              <a:t>543</a:t>
+            </a:r>
+            <a:endParaRPr lang="en-US"/>
+          </a:p>
+        </p:txBody>
+      </p:sp>
+    </p:spTree>
+  </p:cSld>
+  <p:clrMapOvr>
+    <a:masterClrMapping/>
+  </p:clrMapOvr>
+</p:sld>
+</file>
+
+<file path=ppt/slides/slide4.xml><?xml version="1.0" encoding="utf-8"?>
+<p:sld xmlns:a="http://schemas.openxmlformats.org/drawingml/2006/main" xmlns:r="http://schemas.openxmlformats.org/officeDocument/2006/relationships" xmlns:p="http://schemas.openxmlformats.org/presentationml/2006/main">
+  <p:cSld>
+    <p:spTree>
+      <p:nvGrpSpPr>
+        <p:cNvPr id="1" name=""/>
+        <p:cNvGrpSpPr/>
+        <p:nvPr/>
+      </p:nvGrpSpPr>
+      <p:grpSpPr/>
+      <p:sp>
+        <p:nvSpPr>
+          <p:cNvPr id="2" name="Title 1"/>
+          <p:cNvSpPr>
+            <a:spLocks noGrp="1"/>
+          </p:cNvSpPr>
+          <p:nvPr>
+            <p:ph type="title"/>
+          </p:nvPr>
+        </p:nvSpPr>
+        <p:spPr/>
+        <p:txBody>
+          <a:bodyPr>
+            <a:normAutofit/>
+          </a:bodyPr>
+          <a:p>
+            <a:r>
+              <a:rPr lang="en-US">
+                <a:latin typeface="Georgia" panose="02040502050405020303" charset="0"/>
+                <a:cs typeface="Georgia" panose="02040502050405020303" charset="0"/>
+              </a:rPr>
+              <a:t>Recap from previous review</a:t>
+            </a:r>
+            <a:br>
+              <a:rPr lang="en-US">
+                <a:latin typeface="Georgia" panose="02040502050405020303" charset="0"/>
+                <a:cs typeface="Georgia" panose="02040502050405020303" charset="0"/>
+              </a:rPr>
+            </a:br>
+            <a:r>
+              <a:rPr lang="en-US" sz="2400">
+                <a:latin typeface="Georgia" panose="02040502050405020303" charset="0"/>
+                <a:cs typeface="Georgia" panose="02040502050405020303" charset="0"/>
+              </a:rPr>
+              <a:t>Data Preprocessing</a:t>
+            </a:r>
+            <a:endParaRPr lang="en-US" sz="2400">
+              <a:latin typeface="Georgia" panose="02040502050405020303" charset="0"/>
+              <a:cs typeface="Georgia" panose="02040502050405020303" charset="0"/>
+            </a:endParaRPr>
+          </a:p>
+        </p:txBody>
+      </p:sp>
+      <p:sp>
+        <p:nvSpPr>
+          <p:cNvPr id="3" name="Content Placeholder 2"/>
+          <p:cNvSpPr>
+            <a:spLocks noGrp="1"/>
+          </p:cNvSpPr>
+          <p:nvPr>
+            <p:ph idx="1"/>
+          </p:nvPr>
+        </p:nvSpPr>
+        <p:spPr/>
+        <p:txBody>
+          <a:bodyPr>
+            <a:normAutofit fontScale="60000"/>
+          </a:bodyPr>
+          <a:p>
+            <a:pPr marL="0" indent="0">
+              <a:buNone/>
+            </a:pPr>
+            <a:r>
+              <a:rPr lang="en-US">
+                <a:latin typeface="Georgia" panose="02040502050405020303" charset="0"/>
+                <a:cs typeface="Georgia" panose="02040502050405020303" charset="0"/>
+              </a:rPr>
+              <a:t>1. Removing Emoji</a:t>
+            </a:r>
+            <a:endParaRPr lang="en-US">
+              <a:latin typeface="Georgia" panose="02040502050405020303" charset="0"/>
+              <a:cs typeface="Georgia" panose="02040502050405020303" charset="0"/>
+            </a:endParaRPr>
+          </a:p>
+          <a:p>
+            <a:pPr marL="0" indent="0">
+              <a:buNone/>
+            </a:pPr>
+            <a:endParaRPr lang="en-US">
+              <a:latin typeface="Georgia" panose="02040502050405020303" charset="0"/>
+              <a:cs typeface="Georgia" panose="02040502050405020303" charset="0"/>
+            </a:endParaRPr>
+          </a:p>
+          <a:p>
+            <a:pPr marL="0" indent="0">
+              <a:buNone/>
+            </a:pPr>
+            <a:r>
+              <a:rPr lang="en-US">
+                <a:latin typeface="Georgia" panose="02040502050405020303" charset="0"/>
+                <a:cs typeface="Georgia" panose="02040502050405020303" charset="0"/>
+              </a:rPr>
+              <a:t>2. </a:t>
+            </a:r>
+            <a:r>
+              <a:rPr lang="en-US">
+                <a:latin typeface="Georgia" panose="02040502050405020303" charset="0"/>
+                <a:cs typeface="Georgia" panose="02040502050405020303" charset="0"/>
+                <a:sym typeface="+mn-ea"/>
+              </a:rPr>
+              <a:t>Removing </a:t>
+            </a:r>
+            <a:r>
+              <a:rPr lang="en-US">
+                <a:latin typeface="Georgia" panose="02040502050405020303" charset="0"/>
+                <a:cs typeface="Georgia" panose="02040502050405020303" charset="0"/>
+              </a:rPr>
+              <a:t>URL</a:t>
+            </a:r>
+            <a:endParaRPr lang="en-US">
+              <a:latin typeface="Georgia" panose="02040502050405020303" charset="0"/>
+              <a:cs typeface="Georgia" panose="02040502050405020303" charset="0"/>
+            </a:endParaRPr>
+          </a:p>
+          <a:p>
+            <a:pPr marL="0" indent="0">
+              <a:buNone/>
+            </a:pPr>
+            <a:endParaRPr lang="en-US">
+              <a:latin typeface="Georgia" panose="02040502050405020303" charset="0"/>
+              <a:cs typeface="Georgia" panose="02040502050405020303" charset="0"/>
+            </a:endParaRPr>
+          </a:p>
+          <a:p>
+            <a:pPr marL="0" indent="0">
+              <a:buNone/>
+            </a:pPr>
+            <a:r>
+              <a:rPr lang="en-US">
+                <a:latin typeface="Georgia" panose="02040502050405020303" charset="0"/>
+                <a:cs typeface="Georgia" panose="02040502050405020303" charset="0"/>
+              </a:rPr>
+              <a:t>3. </a:t>
+            </a:r>
+            <a:r>
+              <a:rPr lang="en-US">
+                <a:latin typeface="Georgia" panose="02040502050405020303" charset="0"/>
+                <a:cs typeface="Georgia" panose="02040502050405020303" charset="0"/>
+                <a:sym typeface="+mn-ea"/>
+              </a:rPr>
+              <a:t>Removing </a:t>
+            </a:r>
+            <a:r>
+              <a:rPr lang="en-US">
+                <a:latin typeface="Georgia" panose="02040502050405020303" charset="0"/>
+                <a:cs typeface="Georgia" panose="02040502050405020303" charset="0"/>
+              </a:rPr>
+              <a:t>User Handles</a:t>
+            </a:r>
+            <a:endParaRPr lang="en-US">
+              <a:latin typeface="Georgia" panose="02040502050405020303" charset="0"/>
+              <a:cs typeface="Georgia" panose="02040502050405020303" charset="0"/>
+            </a:endParaRPr>
+          </a:p>
+          <a:p>
+            <a:pPr marL="0" indent="0">
+              <a:buNone/>
+            </a:pPr>
+            <a:endParaRPr lang="en-US">
+              <a:latin typeface="Georgia" panose="02040502050405020303" charset="0"/>
+              <a:cs typeface="Georgia" panose="02040502050405020303" charset="0"/>
+            </a:endParaRPr>
+          </a:p>
+          <a:p>
+            <a:pPr marL="0" indent="0">
+              <a:buNone/>
+            </a:pPr>
+            <a:r>
+              <a:rPr lang="en-US">
+                <a:latin typeface="Georgia" panose="02040502050405020303" charset="0"/>
+                <a:cs typeface="Georgia" panose="02040502050405020303" charset="0"/>
+              </a:rPr>
+              <a:t>4. </a:t>
+            </a:r>
+            <a:r>
+              <a:rPr lang="en-US">
+                <a:latin typeface="Georgia" panose="02040502050405020303" charset="0"/>
+                <a:cs typeface="Georgia" panose="02040502050405020303" charset="0"/>
+                <a:sym typeface="+mn-ea"/>
+              </a:rPr>
+              <a:t>Removing </a:t>
+            </a:r>
+            <a:r>
+              <a:rPr lang="en-US">
+                <a:latin typeface="Georgia" panose="02040502050405020303" charset="0"/>
+                <a:cs typeface="Georgia" panose="02040502050405020303" charset="0"/>
+              </a:rPr>
+              <a:t>Punctuations</a:t>
+            </a:r>
+            <a:endParaRPr lang="en-US">
+              <a:latin typeface="Georgia" panose="02040502050405020303" charset="0"/>
+              <a:cs typeface="Georgia" panose="02040502050405020303" charset="0"/>
+            </a:endParaRPr>
+          </a:p>
+          <a:p>
+            <a:pPr marL="0" indent="0">
+              <a:buNone/>
+            </a:pPr>
+            <a:endParaRPr lang="en-US">
+              <a:latin typeface="Georgia" panose="02040502050405020303" charset="0"/>
+              <a:cs typeface="Georgia" panose="02040502050405020303" charset="0"/>
+            </a:endParaRPr>
+          </a:p>
+          <a:p>
+            <a:pPr marL="0" indent="0">
+              <a:buNone/>
+            </a:pPr>
+            <a:r>
+              <a:rPr lang="en-US">
+                <a:latin typeface="Georgia" panose="02040502050405020303" charset="0"/>
+                <a:cs typeface="Georgia" panose="02040502050405020303" charset="0"/>
+              </a:rPr>
+              <a:t>5.</a:t>
+            </a:r>
+            <a:r>
+              <a:rPr lang="en-US">
+                <a:latin typeface="Georgia" panose="02040502050405020303" charset="0"/>
+                <a:cs typeface="Georgia" panose="02040502050405020303" charset="0"/>
+                <a:sym typeface="+mn-ea"/>
+              </a:rPr>
+              <a:t>Removing </a:t>
+            </a:r>
+            <a:r>
+              <a:rPr lang="en-US">
+                <a:latin typeface="Georgia" panose="02040502050405020303" charset="0"/>
+                <a:cs typeface="Georgia" panose="02040502050405020303" charset="0"/>
+              </a:rPr>
+              <a:t> Numbers</a:t>
+            </a:r>
+            <a:endParaRPr lang="en-US">
+              <a:latin typeface="Georgia" panose="02040502050405020303" charset="0"/>
+              <a:cs typeface="Georgia" panose="02040502050405020303" charset="0"/>
+            </a:endParaRPr>
+          </a:p>
+          <a:p>
+            <a:pPr marL="0" indent="0">
+              <a:buNone/>
+            </a:pPr>
+            <a:endParaRPr lang="en-US">
+              <a:latin typeface="Georgia" panose="02040502050405020303" charset="0"/>
+              <a:cs typeface="Georgia" panose="02040502050405020303" charset="0"/>
+            </a:endParaRPr>
+          </a:p>
+          <a:p>
+            <a:pPr marL="0" indent="0">
+              <a:buNone/>
+            </a:pPr>
+            <a:r>
+              <a:rPr lang="en-US">
+                <a:latin typeface="Georgia" panose="02040502050405020303" charset="0"/>
+                <a:cs typeface="Georgia" panose="02040502050405020303" charset="0"/>
+              </a:rPr>
+              <a:t>6. </a:t>
+            </a:r>
+            <a:r>
+              <a:rPr lang="en-US">
+                <a:latin typeface="Georgia" panose="02040502050405020303" charset="0"/>
+                <a:cs typeface="Georgia" panose="02040502050405020303" charset="0"/>
+                <a:sym typeface="+mn-ea"/>
+              </a:rPr>
+              <a:t>Removing </a:t>
+            </a:r>
+            <a:r>
+              <a:rPr lang="en-US">
+                <a:latin typeface="Georgia" panose="02040502050405020303" charset="0"/>
+                <a:cs typeface="Georgia" panose="02040502050405020303" charset="0"/>
+              </a:rPr>
+              <a:t>Stopwards</a:t>
+            </a:r>
+            <a:endParaRPr lang="en-US">
+              <a:latin typeface="Georgia" panose="02040502050405020303" charset="0"/>
+              <a:cs typeface="Georgia" panose="02040502050405020303" charset="0"/>
+            </a:endParaRPr>
+          </a:p>
+          <a:p>
+            <a:pPr marL="0" indent="0">
+              <a:buNone/>
+            </a:pPr>
+            <a:endParaRPr lang="en-US">
+              <a:latin typeface="Georgia" panose="02040502050405020303" charset="0"/>
+              <a:cs typeface="Georgia" panose="02040502050405020303" charset="0"/>
+            </a:endParaRPr>
+          </a:p>
+        </p:txBody>
+      </p:sp>
+    </p:spTree>
+  </p:cSld>
+  <p:clrMapOvr>
+    <a:masterClrMapping/>
+  </p:clrMapOvr>
+</p:sld>
+</file>
+
+<file path=ppt/slides/slide5.xml><?xml version="1.0" encoding="utf-8"?>
+<p:sld xmlns:a="http://schemas.openxmlformats.org/drawingml/2006/main" xmlns:r="http://schemas.openxmlformats.org/officeDocument/2006/relationships" xmlns:p="http://schemas.openxmlformats.org/presentationml/2006/main">
+  <p:cSld>
+    <p:spTree>
+      <p:nvGrpSpPr>
+        <p:cNvPr id="1" name=""/>
+        <p:cNvGrpSpPr/>
+        <p:nvPr/>
+      </p:nvGrpSpPr>
       <p:grpSpPr>
         <a:xfrm>
           <a:off x="0" y="0"/>
@@ -5245,8 +5894,8 @@
         </p:nvSpPr>
         <p:spPr>
           <a:xfrm>
-            <a:off x="1981200" y="762000"/>
-            <a:ext cx="6861175" cy="706755"/>
+            <a:off x="4175125" y="1261745"/>
+            <a:ext cx="3067050" cy="706755"/>
           </a:xfrm>
           <a:prstGeom prst="rect">
             <a:avLst/>
@@ -5261,16 +5910,7 @@
           <a:p>
             <a:r>
               <a:rPr lang="en-US" sz="4000" b="1" dirty="0">
-                <a:solidFill>
-                  <a:schemeClr val="accent2"/>
-                </a:solidFill>
-                <a:latin typeface="Georgia" panose="02040502050405020303" charset="0"/>
-                <a:cs typeface="Georgia" panose="02040502050405020303" charset="0"/>
-              </a:rPr>
-              <a:t>     </a:t>
-            </a:r>
-            <a:r>
-              <a:rPr lang="en-US" sz="4000" b="1" dirty="0">
+                <a:ln/>
                 <a:solidFill>
                   <a:schemeClr val="tx1"/>
                 </a:solidFill>
@@ -5284,9 +5924,10 @@
                 <a:latin typeface="Georgia" panose="02040502050405020303" charset="0"/>
                 <a:cs typeface="Georgia" panose="02040502050405020303" charset="0"/>
               </a:rPr>
-              <a:t>Proposed Methodology</a:t>
+              <a:t>Flow Chart</a:t>
             </a:r>
             <a:endParaRPr lang="en-US" sz="4000" b="1" dirty="0">
+              <a:ln/>
               <a:solidFill>
                 <a:schemeClr val="tx1"/>
               </a:solidFill>
@@ -5725,7 +6366,7 @@
 </p:sld>
 </file>
 
-<file path=ppt/slides/slide4.xml><?xml version="1.0" encoding="utf-8"?>
+<file path=ppt/slides/slide6.xml><?xml version="1.0" encoding="utf-8"?>
 <p:sld xmlns:a="http://schemas.openxmlformats.org/drawingml/2006/main" xmlns:r="http://schemas.openxmlformats.org/officeDocument/2006/relationships" xmlns:p="http://schemas.openxmlformats.org/presentationml/2006/main">
   <p:cSld>
     <p:spTree>
@@ -5837,10 +6478,20 @@
                         <a:buNone/>
                       </a:pPr>
                       <a:r>
-                        <a:rPr lang="en-IN" altLang="en-US"/>
-                        <a:t>Course Grained</a:t>
+                        <a:rPr lang="en-US" altLang="en-IN"/>
+                        <a:t>F1</a:t>
                       </a:r>
-                      <a:endParaRPr lang="en-IN" altLang="en-US"/>
+                      <a:endParaRPr lang="en-US" altLang="en-IN"/>
+                    </a:p>
+                    <a:p>
+                      <a:pPr algn="ctr">
+                        <a:buNone/>
+                      </a:pPr>
+                      <a:r>
+                        <a:rPr lang="en-US" altLang="en-IN"/>
+                        <a:t>Weighted</a:t>
+                      </a:r>
+                      <a:endParaRPr lang="en-US" altLang="en-IN"/>
                     </a:p>
                   </a:txBody>
                   <a:tcPr/>
@@ -6198,141 +6849,6 @@
                   <a:tcPr/>
                 </a:tc>
               </a:tr>
-              <a:tr h="454025">
-                <a:tc>
-                  <a:txBody>
-                    <a:bodyPr/>
-                    <a:p>
-                      <a:pPr algn="ctr">
-                        <a:lnSpc>
-                          <a:spcPct val="140000"/>
-                        </a:lnSpc>
-                        <a:buNone/>
-                      </a:pPr>
-                      <a:r>
-                        <a:rPr lang="en-IN" altLang="en-US" sz="1400"/>
-                        <a:t>Logistic Regression</a:t>
-                      </a:r>
-                      <a:endParaRPr lang="en-IN" altLang="en-US" sz="1400"/>
-                    </a:p>
-                  </a:txBody>
-                  <a:tcPr/>
-                </a:tc>
-                <a:tc>
-                  <a:txBody>
-                    <a:bodyPr/>
-                    <a:p>
-                      <a:pPr algn="ctr">
-                        <a:lnSpc>
-                          <a:spcPct val="170000"/>
-                        </a:lnSpc>
-                        <a:buNone/>
-                      </a:pPr>
-                      <a:r>
-                        <a:rPr lang="en-IN" altLang="en-US" sz="1400"/>
-                        <a:t>xlm-bert</a:t>
-                      </a:r>
-                      <a:endParaRPr lang="en-IN" altLang="en-US" sz="1400"/>
-                    </a:p>
-                  </a:txBody>
-                  <a:tcPr/>
-                </a:tc>
-                <a:tc>
-                  <a:txBody>
-                    <a:bodyPr/>
-                    <a:p>
-                      <a:pPr algn="ctr">
-                        <a:lnSpc>
-                          <a:spcPct val="140000"/>
-                        </a:lnSpc>
-                        <a:buNone/>
-                      </a:pPr>
-                      <a:r>
-                        <a:rPr lang="en-IN" altLang="en-US" sz="1600" b="0"/>
-                        <a:t>62.14</a:t>
-                      </a:r>
-                      <a:endParaRPr lang="en-IN" altLang="en-US" sz="1600" b="0"/>
-                    </a:p>
-                  </a:txBody>
-                  <a:tcPr/>
-                </a:tc>
-                <a:tc>
-                  <a:txBody>
-                    <a:bodyPr/>
-                    <a:p>
-                      <a:pPr algn="ctr">
-                        <a:lnSpc>
-                          <a:spcPct val="140000"/>
-                        </a:lnSpc>
-                        <a:buNone/>
-                      </a:pPr>
-                      <a:r>
-                        <a:rPr lang="en-IN" altLang="en-US" sz="1600" b="0"/>
-                        <a:t>50.60</a:t>
-                      </a:r>
-                      <a:endParaRPr lang="en-IN" altLang="en-US" sz="1600" b="0"/>
-                    </a:p>
-                  </a:txBody>
-                  <a:tcPr/>
-                </a:tc>
-                <a:tc>
-                  <a:txBody>
-                    <a:bodyPr/>
-                    <a:p>
-                      <a:pPr algn="ctr">
-                        <a:lnSpc>
-                          <a:spcPct val="140000"/>
-                        </a:lnSpc>
-                        <a:buNone/>
-                      </a:pPr>
-                      <a:r>
-                        <a:rPr lang="en-IN" altLang="en-US" sz="1600"/>
-                        <a:t>52.70</a:t>
-                      </a:r>
-                      <a:endParaRPr lang="en-IN" altLang="en-US" sz="1600"/>
-                    </a:p>
-                  </a:txBody>
-                  <a:tcPr/>
-                </a:tc>
-                <a:tc>
-                  <a:txBody>
-                    <a:bodyPr/>
-                    <a:p>
-                      <a:pPr algn="ctr">
-                        <a:lnSpc>
-                          <a:spcPct val="140000"/>
-                        </a:lnSpc>
-                        <a:buNone/>
-                      </a:pPr>
-                      <a:r>
-                        <a:rPr lang="en-IN" altLang="en-US" sz="1600"/>
-                        <a:t>53.80</a:t>
-                      </a:r>
-                      <a:endParaRPr lang="en-IN" altLang="en-US" sz="1600"/>
-                    </a:p>
-                  </a:txBody>
-                  <a:tcPr/>
-                </a:tc>
-                <a:tc>
-                  <a:txBody>
-                    <a:bodyPr/>
-                    <a:p>
-                      <a:pPr algn="ctr">
-                        <a:lnSpc>
-                          <a:spcPct val="140000"/>
-                        </a:lnSpc>
-                        <a:buNone/>
-                      </a:pPr>
-                      <a:r>
-                        <a:rPr lang="en-IN" altLang="en-US" sz="1600"/>
-                        <a:t>35.5</a:t>
-                      </a:r>
-                      <a:endParaRPr lang="en-IN" altLang="en-US" sz="1600"/>
-                    </a:p>
-                  </a:txBody>
-                  <a:tcPr/>
-                </a:tc>
-              </a:tr>
             </a:tbl>
           </a:graphicData>
         </a:graphic>
@@ -6345,8 +6861,8 @@
         </p:nvGrpSpPr>
         <p:grpSpPr>
           <a:xfrm>
-            <a:off x="6761480" y="1490980"/>
-            <a:ext cx="5104765" cy="701675"/>
+            <a:off x="7372350" y="1490980"/>
+            <a:ext cx="3448685" cy="701675"/>
             <a:chOff x="10498" y="3290"/>
             <a:chExt cx="6554" cy="1105"/>
           </a:xfrm>
@@ -6499,6 +7015,175 @@
           </p:cxnSp>
         </p:grpSp>
       </p:grpSp>
+      <p:grpSp>
+        <p:nvGrpSpPr>
+          <p:cNvPr id="3" name="Group 2"/>
+          <p:cNvGrpSpPr/>
+          <p:nvPr/>
+        </p:nvGrpSpPr>
+        <p:grpSpPr>
+          <a:xfrm>
+            <a:off x="3287450" y="1488440"/>
+            <a:ext cx="5753137" cy="701675"/>
+            <a:chOff x="-10062" y="3290"/>
+            <a:chExt cx="47052" cy="1105"/>
+          </a:xfrm>
+        </p:grpSpPr>
+        <p:sp>
+          <p:nvSpPr>
+            <p:cNvPr id="4" name="Text Box 3"/>
+            <p:cNvSpPr txBox="1"/>
+            <p:nvPr/>
+          </p:nvSpPr>
+          <p:spPr>
+            <a:xfrm>
+              <a:off x="-10062" y="3290"/>
+              <a:ext cx="47052" cy="580"/>
+            </a:xfrm>
+            <a:prstGeom prst="rect">
+              <a:avLst/>
+            </a:prstGeom>
+            <a:noFill/>
+          </p:spPr>
+          <p:txBody>
+            <a:bodyPr wrap="square" rtlCol="0">
+              <a:spAutoFit/>
+            </a:bodyPr>
+            <a:p>
+              <a:pPr algn="ctr"/>
+              <a:r>
+                <a:rPr lang="en-US" altLang="en-IN">
+                  <a:latin typeface="Georgia" panose="02040502050405020303" charset="0"/>
+                  <a:cs typeface="Georgia" panose="02040502050405020303" charset="0"/>
+                </a:rPr>
+                <a:t>Course </a:t>
+              </a:r>
+              <a:r>
+                <a:rPr lang="en-IN" altLang="en-US">
+                  <a:latin typeface="Georgia" panose="02040502050405020303" charset="0"/>
+                  <a:cs typeface="Georgia" panose="02040502050405020303" charset="0"/>
+                </a:rPr>
+                <a:t>Grained</a:t>
+              </a:r>
+              <a:endParaRPr lang="en-IN" altLang="en-US">
+                <a:latin typeface="Georgia" panose="02040502050405020303" charset="0"/>
+                <a:cs typeface="Georgia" panose="02040502050405020303" charset="0"/>
+              </a:endParaRPr>
+            </a:p>
+          </p:txBody>
+        </p:sp>
+        <p:grpSp>
+          <p:nvGrpSpPr>
+            <p:cNvPr id="5" name="Group 4"/>
+            <p:cNvGrpSpPr/>
+            <p:nvPr/>
+          </p:nvGrpSpPr>
+          <p:grpSpPr>
+            <a:xfrm>
+              <a:off x="10498" y="3856"/>
+              <a:ext cx="6554" cy="539"/>
+              <a:chOff x="10498" y="3856"/>
+              <a:chExt cx="6554" cy="539"/>
+            </a:xfrm>
+          </p:grpSpPr>
+          <p:cxnSp>
+            <p:nvCxnSpPr>
+              <p:cNvPr id="7" name="Straight Connector 6"/>
+              <p:cNvCxnSpPr/>
+              <p:nvPr/>
+            </p:nvCxnSpPr>
+            <p:spPr>
+              <a:xfrm>
+                <a:off x="10498" y="3856"/>
+                <a:ext cx="6554" cy="14"/>
+              </a:xfrm>
+              <a:prstGeom prst="line">
+                <a:avLst/>
+              </a:prstGeom>
+            </p:spPr>
+            <p:style>
+              <a:lnRef idx="3">
+                <a:schemeClr val="accent1"/>
+              </a:lnRef>
+              <a:fillRef idx="0">
+                <a:schemeClr val="accent1"/>
+              </a:fillRef>
+              <a:effectRef idx="2">
+                <a:schemeClr val="accent1"/>
+              </a:effectRef>
+              <a:fontRef idx="minor">
+                <a:schemeClr val="tx1"/>
+              </a:fontRef>
+            </p:style>
+          </p:cxnSp>
+          <p:cxnSp>
+            <p:nvCxnSpPr>
+              <p:cNvPr id="10" name="Straight Arrow Connector 9"/>
+              <p:cNvCxnSpPr/>
+              <p:nvPr/>
+            </p:nvCxnSpPr>
+            <p:spPr>
+              <a:xfrm>
+                <a:off x="10548" y="3863"/>
+                <a:ext cx="0" cy="532"/>
+              </a:xfrm>
+              <a:prstGeom prst="straightConnector1">
+                <a:avLst/>
+              </a:prstGeom>
+              <a:ln>
+                <a:tailEnd type="arrow" w="med" len="med"/>
+              </a:ln>
+            </p:spPr>
+            <p:style>
+              <a:lnRef idx="3">
+                <a:schemeClr val="accent1"/>
+              </a:lnRef>
+              <a:fillRef idx="0">
+                <a:schemeClr val="accent1"/>
+              </a:fillRef>
+              <a:effectRef idx="2">
+                <a:schemeClr val="accent1"/>
+              </a:effectRef>
+              <a:fontRef idx="minor">
+                <a:schemeClr val="tx1"/>
+              </a:fontRef>
+            </p:style>
+          </p:cxnSp>
+          <p:cxnSp>
+            <p:nvCxnSpPr>
+              <p:cNvPr id="11" name="Straight Arrow Connector 10"/>
+              <p:cNvCxnSpPr/>
+              <p:nvPr/>
+            </p:nvCxnSpPr>
+            <p:spPr>
+              <a:xfrm>
+                <a:off x="16957" y="3859"/>
+                <a:ext cx="0" cy="532"/>
+              </a:xfrm>
+              <a:prstGeom prst="straightConnector1">
+                <a:avLst/>
+              </a:prstGeom>
+              <a:ln>
+                <a:tailEnd type="arrow" w="med" len="med"/>
+              </a:ln>
+            </p:spPr>
+            <p:style>
+              <a:lnRef idx="3">
+                <a:schemeClr val="accent1"/>
+              </a:lnRef>
+              <a:fillRef idx="0">
+                <a:schemeClr val="accent1"/>
+              </a:fillRef>
+              <a:effectRef idx="2">
+                <a:schemeClr val="accent1"/>
+              </a:effectRef>
+              <a:fontRef idx="minor">
+                <a:schemeClr val="tx1"/>
+              </a:fontRef>
+            </p:style>
+          </p:cxnSp>
+        </p:grpSp>
+      </p:grpSp>
     </p:spTree>
   </p:cSld>
   <p:clrMapOvr>
@@ -6507,7 +7192,7 @@
 </p:sld>
 </file>
 
-<file path=ppt/slides/slide5.xml><?xml version="1.0" encoding="utf-8"?>
+<file path=ppt/slides/slide7.xml><?xml version="1.0" encoding="utf-8"?>
 <p:sld xmlns:a="http://schemas.openxmlformats.org/drawingml/2006/main" xmlns:r="http://schemas.openxmlformats.org/officeDocument/2006/relationships" xmlns:p="http://schemas.openxmlformats.org/presentationml/2006/main">
   <p:cSld>
     <p:spTree>
@@ -6530,24 +7215,35 @@
         <p:spPr/>
         <p:txBody>
           <a:bodyPr>
-            <a:normAutofit/>
+            <a:normAutofit fontScale="90000"/>
           </a:bodyPr>
           <a:p>
             <a:r>
-              <a:rPr lang="en-IN" altLang="en-US" b="1"/>
+              <a:rPr lang="en-IN" altLang="en-US" b="1">
+                <a:latin typeface="Georgia" panose="02040502050405020303" charset="0"/>
+                <a:cs typeface="Georgia" panose="02040502050405020303" charset="0"/>
+              </a:rPr>
               <a:t>Inferences &amp; </a:t>
             </a:r>
             <a:r>
               <a:rPr lang="en-IN" altLang="en-US" b="1">
+                <a:latin typeface="Georgia" panose="02040502050405020303" charset="0"/>
+                <a:cs typeface="Georgia" panose="02040502050405020303" charset="0"/>
                 <a:sym typeface="+mn-ea"/>
               </a:rPr>
               <a:t>Improvements Planned</a:t>
             </a:r>
             <a:r>
-              <a:rPr lang="en-IN" altLang="en-US" b="1"/>
+              <a:rPr lang="en-IN" altLang="en-US" b="1">
+                <a:latin typeface="Georgia" panose="02040502050405020303" charset="0"/>
+                <a:cs typeface="Georgia" panose="02040502050405020303" charset="0"/>
+              </a:rPr>
               <a:t>:</a:t>
             </a:r>
-            <a:endParaRPr lang="en-IN" altLang="en-US" b="1"/>
+            <a:endParaRPr lang="en-IN" altLang="en-US" b="1">
+              <a:latin typeface="Georgia" panose="02040502050405020303" charset="0"/>
+              <a:cs typeface="Georgia" panose="02040502050405020303" charset="0"/>
+            </a:endParaRPr>
           </a:p>
         </p:txBody>
       </p:sp>
@@ -6572,38 +7268,41 @@
             <a:normAutofit lnSpcReduction="10000"/>
           </a:bodyPr>
           <a:p>
-            <a:endParaRPr lang="en-IN" altLang="en-US"/>
+            <a:endParaRPr lang="en-IN" altLang="en-US">
+              <a:latin typeface="Georgia" panose="02040502050405020303" charset="0"/>
+              <a:cs typeface="Georgia" panose="02040502050405020303" charset="0"/>
+            </a:endParaRPr>
           </a:p>
           <a:p>
             <a:r>
               <a:rPr lang="en-IN" altLang="en-US" sz="2400">
-                <a:latin typeface="Nirmala UI" panose="020B0502040204020203" charset="0"/>
-                <a:cs typeface="Nirmala UI" panose="020B0502040204020203" charset="0"/>
+                <a:latin typeface="Georgia" panose="02040502050405020303" charset="0"/>
+                <a:cs typeface="Georgia" panose="02040502050405020303" charset="0"/>
               </a:rPr>
-              <a:t>Linear SVC, when compared to LSTM and Logistic Regression outperforms on the given dataset. </a:t>
+              <a:t>Linear SVC, when compared to LSTM  outperforms on the given dataset. </a:t>
             </a:r>
             <a:endParaRPr lang="en-IN" altLang="en-US" sz="2400">
-              <a:latin typeface="Nirmala UI" panose="020B0502040204020203" charset="0"/>
-              <a:cs typeface="Nirmala UI" panose="020B0502040204020203" charset="0"/>
+              <a:latin typeface="Georgia" panose="02040502050405020303" charset="0"/>
+              <a:cs typeface="Georgia" panose="02040502050405020303" charset="0"/>
             </a:endParaRPr>
           </a:p>
           <a:p>
             <a:endParaRPr lang="en-IN" altLang="en-US" sz="2400">
-              <a:latin typeface="Nirmala UI" panose="020B0502040204020203" charset="0"/>
-              <a:cs typeface="Nirmala UI" panose="020B0502040204020203" charset="0"/>
+              <a:latin typeface="Georgia" panose="02040502050405020303" charset="0"/>
+              <a:cs typeface="Georgia" panose="02040502050405020303" charset="0"/>
             </a:endParaRPr>
           </a:p>
           <a:p>
             <a:r>
               <a:rPr lang="en-IN" altLang="en-US" sz="2400">
-                <a:latin typeface="Nirmala UI" panose="020B0502040204020203" charset="0"/>
-                <a:cs typeface="Nirmala UI" panose="020B0502040204020203" charset="0"/>
+                <a:latin typeface="Georgia" panose="02040502050405020303" charset="0"/>
+                <a:cs typeface="Georgia" panose="02040502050405020303" charset="0"/>
               </a:rPr>
               <a:t>By working on class imbalance more effectively, there is a possibility that LSTM could work better interms course grained and fine grained.  </a:t>
             </a:r>
             <a:endParaRPr lang="en-IN" altLang="en-US" sz="2400">
-              <a:latin typeface="Nirmala UI" panose="020B0502040204020203" charset="0"/>
-              <a:cs typeface="Nirmala UI" panose="020B0502040204020203" charset="0"/>
+              <a:latin typeface="Georgia" panose="02040502050405020303" charset="0"/>
+              <a:cs typeface="Georgia" panose="02040502050405020303" charset="0"/>
             </a:endParaRPr>
           </a:p>
           <a:p>
@@ -6611,196 +7310,29 @@
               <a:buNone/>
             </a:pPr>
             <a:endParaRPr lang="en-IN" altLang="en-US" sz="2400">
-              <a:latin typeface="Nirmala UI" panose="020B0502040204020203" charset="0"/>
-              <a:cs typeface="Nirmala UI" panose="020B0502040204020203" charset="0"/>
+              <a:latin typeface="Georgia" panose="02040502050405020303" charset="0"/>
+              <a:cs typeface="Georgia" panose="02040502050405020303" charset="0"/>
             </a:endParaRPr>
           </a:p>
           <a:p>
             <a:r>
-              <a:rPr lang="en-IN" altLang="en-US" sz="2400">
-                <a:latin typeface="Nirmala UI" panose="020B0502040204020203" charset="0"/>
-                <a:cs typeface="Nirmala UI" panose="020B0502040204020203" charset="0"/>
+              <a:rPr lang="en-US" altLang="en-IN" sz="2400">
+                <a:latin typeface="Georgia" panose="02040502050405020303" charset="0"/>
+                <a:cs typeface="Georgia" panose="02040502050405020303" charset="0"/>
                 <a:sym typeface="+mn-ea"/>
               </a:rPr>
-              <a:t>As a future work we will explore other algorithms and models for improving the results.</a:t>
+              <a:t>Instead of preferring class weights for dealing with class imbalance , we can also look into random sampling from dataset.</a:t>
             </a:r>
             <a:endParaRPr lang="en-IN" altLang="en-US" sz="2400">
-              <a:latin typeface="Nirmala UI" panose="020B0502040204020203" charset="0"/>
-              <a:cs typeface="Nirmala UI" panose="020B0502040204020203" charset="0"/>
-            </a:endParaRPr>
-          </a:p>
-        </p:txBody>
-      </p:sp>
-    </p:spTree>
-  </p:cSld>
-  <p:clrMapOvr>
-    <a:masterClrMapping/>
-  </p:clrMapOvr>
-</p:sld>
-</file>
-
-<file path=ppt/slides/slide6.xml><?xml version="1.0" encoding="utf-8"?>
-<p:sld xmlns:a="http://schemas.openxmlformats.org/drawingml/2006/main" xmlns:r="http://schemas.openxmlformats.org/officeDocument/2006/relationships" xmlns:p="http://schemas.openxmlformats.org/presentationml/2006/main">
-  <p:cSld>
-    <p:spTree>
-      <p:nvGrpSpPr>
-        <p:cNvPr id="1" name=""/>
-        <p:cNvGrpSpPr/>
-        <p:nvPr/>
-      </p:nvGrpSpPr>
-      <p:grpSpPr/>
-      <p:sp>
-        <p:nvSpPr>
-          <p:cNvPr id="2" name="Title 1"/>
-          <p:cNvSpPr>
-            <a:spLocks noGrp="1"/>
-          </p:cNvSpPr>
-          <p:nvPr>
-            <p:ph type="title"/>
-          </p:nvPr>
-        </p:nvSpPr>
-        <p:spPr/>
-        <p:txBody>
-          <a:bodyPr/>
-          <a:p>
-            <a:r>
-              <a:rPr lang="en-IN" altLang="en-US" b="1"/>
-              <a:t>Contribution Of Team Members </a:t>
-            </a:r>
-            <a:r>
-              <a:rPr lang="en-IN" altLang="en-US"/>
-              <a:t>: </a:t>
-            </a:r>
-            <a:endParaRPr lang="en-IN" altLang="en-US"/>
-          </a:p>
-        </p:txBody>
-      </p:sp>
-      <p:sp>
-        <p:nvSpPr>
-          <p:cNvPr id="3" name="Content Placeholder 2"/>
-          <p:cNvSpPr>
-            <a:spLocks noGrp="1"/>
-          </p:cNvSpPr>
-          <p:nvPr>
-            <p:ph idx="1"/>
-          </p:nvPr>
-        </p:nvSpPr>
-        <p:spPr>
-          <a:xfrm>
-            <a:off x="492760" y="1955165"/>
-            <a:ext cx="11095990" cy="4351655"/>
-          </a:xfrm>
-        </p:spPr>
-        <p:txBody>
-          <a:bodyPr>
-            <a:normAutofit lnSpcReduction="10000"/>
-          </a:bodyPr>
-          <a:p>
-            <a:r>
-              <a:rPr lang="en-IN" altLang="en-US" sz="2400">
-                <a:sym typeface="+mn-ea"/>
-              </a:rPr>
-              <a:t>Abhishek Rao            :   Linear SVC model</a:t>
-            </a:r>
-            <a:r>
-              <a:rPr lang="en-IN" altLang="en-US" sz="2400">
-                <a:sym typeface="+mn-ea"/>
-              </a:rPr>
-              <a:t>, XLM embeddings.</a:t>
-            </a:r>
-            <a:endParaRPr lang="en-IN" altLang="en-US" sz="2400">
+              <a:latin typeface="Georgia" panose="02040502050405020303" charset="0"/>
+              <a:cs typeface="Georgia" panose="02040502050405020303" charset="0"/>
               <a:sym typeface="+mn-ea"/>
             </a:endParaRPr>
           </a:p>
           <a:p>
-            <a:endParaRPr lang="en-IN" altLang="en-US" sz="2400"/>
-          </a:p>
-          <a:p>
-            <a:r>
-              <a:rPr lang="en-IN" altLang="en-US" sz="2400"/>
-              <a:t>Madhurika Ganiger  :   Fasttext </a:t>
-            </a:r>
-            <a:r>
-              <a:rPr lang="en-IN" altLang="en-US" sz="2400">
-                <a:sym typeface="+mn-ea"/>
-              </a:rPr>
-              <a:t>embeddings, Logistic Regression, LSTM model.</a:t>
-            </a:r>
             <a:endParaRPr lang="en-IN" altLang="en-US" sz="2400">
-              <a:sym typeface="+mn-ea"/>
-            </a:endParaRPr>
-          </a:p>
-          <a:p>
-            <a:endParaRPr lang="en-IN" altLang="en-US" sz="2400"/>
-          </a:p>
-          <a:p>
-            <a:r>
-              <a:rPr lang="en-IN" altLang="en-US" sz="2400">
-                <a:sym typeface="+mn-ea"/>
-              </a:rPr>
-              <a:t>Sakshi Tahlani           :   </a:t>
-            </a:r>
-            <a:r>
-              <a:rPr lang="en-IN" altLang="en-US" sz="2400">
-                <a:sym typeface="+mn-ea"/>
-              </a:rPr>
-              <a:t>Fasttext </a:t>
-            </a:r>
-            <a:r>
-              <a:rPr lang="en-IN" altLang="en-US" sz="2400">
-                <a:sym typeface="+mn-ea"/>
-              </a:rPr>
-              <a:t>embeddings, </a:t>
-            </a:r>
-            <a:r>
-              <a:rPr lang="en-IN" altLang="en-US" sz="2400">
-                <a:sym typeface="+mn-ea"/>
-              </a:rPr>
-              <a:t>LSTM model</a:t>
-            </a:r>
-            <a:r>
-              <a:rPr lang="en-IN" altLang="en-US" sz="2400">
-                <a:sym typeface="+mn-ea"/>
-              </a:rPr>
-              <a:t>.</a:t>
-            </a:r>
-            <a:endParaRPr lang="en-IN" altLang="en-US" sz="2400">
-              <a:sym typeface="+mn-ea"/>
-            </a:endParaRPr>
-          </a:p>
-          <a:p>
-            <a:endParaRPr lang="en-IN" altLang="en-US" sz="2400"/>
-          </a:p>
-          <a:p>
-            <a:r>
-              <a:rPr lang="en-IN" altLang="en-US" sz="2400"/>
-              <a:t>Varun Bohara            :   </a:t>
-            </a:r>
-            <a:r>
-              <a:rPr lang="en-IN" altLang="en-US" sz="2400">
-                <a:sym typeface="+mn-ea"/>
-              </a:rPr>
-              <a:t>Linear SVC model</a:t>
-            </a:r>
-            <a:r>
-              <a:rPr lang="en-IN" altLang="en-US" sz="2400">
-                <a:sym typeface="+mn-ea"/>
-              </a:rPr>
-              <a:t>, </a:t>
-            </a:r>
-            <a:r>
-              <a:rPr lang="en-IN" altLang="en-US" sz="2400">
-                <a:sym typeface="+mn-ea"/>
-              </a:rPr>
-              <a:t>XLM embeddings.</a:t>
-            </a:r>
-            <a:endParaRPr lang="en-IN" altLang="en-US" sz="2400">
-              <a:sym typeface="+mn-ea"/>
-            </a:endParaRPr>
-          </a:p>
-          <a:p>
-            <a:endParaRPr lang="en-IN" altLang="en-US" sz="2400">
-              <a:sym typeface="+mn-ea"/>
+              <a:latin typeface="Georgia" panose="02040502050405020303" charset="0"/>
+              <a:cs typeface="Georgia" panose="02040502050405020303" charset="0"/>
             </a:endParaRPr>
           </a:p>
         </p:txBody>

--- a/DMA - Final PPT.pptx
+++ b/DMA - Final PPT.pptx
@@ -5153,23 +5153,7 @@
                 <a:cs typeface="Georgia" panose="02040502050405020303" charset="0"/>
                 <a:sym typeface="+mn-ea"/>
               </a:rPr>
-              <a:t>Abhishek Rao            :  </a:t>
-            </a:r>
-            <a:r>
-              <a:rPr lang="en-US" altLang="en-IN" sz="2400">
-                <a:latin typeface="Georgia" panose="02040502050405020303" charset="0"/>
-                <a:cs typeface="Georgia" panose="02040502050405020303" charset="0"/>
-                <a:sym typeface="+mn-ea"/>
-              </a:rPr>
-              <a:t>Preprocessing ,</a:t>
-            </a:r>
-            <a:r>
-              <a:rPr lang="en-IN" altLang="en-US" sz="2400">
-                <a:latin typeface="Georgia" panose="02040502050405020303" charset="0"/>
-                <a:cs typeface="Georgia" panose="02040502050405020303" charset="0"/>
-                <a:sym typeface="+mn-ea"/>
-              </a:rPr>
-              <a:t> Linear SVC model, XLM embeddings.</a:t>
+              <a:t>Abhishek Rao             :  Linear SVC model, XLM embeddings.</a:t>
             </a:r>
             <a:endParaRPr lang="en-IN" altLang="en-US" sz="2400">
               <a:latin typeface="Georgia" panose="02040502050405020303" charset="0"/>
@@ -5189,22 +5173,7 @@
                 <a:latin typeface="Georgia" panose="02040502050405020303" charset="0"/>
                 <a:cs typeface="Georgia" panose="02040502050405020303" charset="0"/>
               </a:rPr>
-              <a:t>Madhurika Ganiger  :  </a:t>
-            </a:r>
-            <a:r>
-              <a:rPr lang="en-US" altLang="en-IN" sz="2400">
-                <a:latin typeface="Georgia" panose="02040502050405020303" charset="0"/>
-                <a:cs typeface="Georgia" panose="02040502050405020303" charset="0"/>
-                <a:sym typeface="+mn-ea"/>
-              </a:rPr>
-              <a:t>Preprocessing , </a:t>
-            </a:r>
-            <a:r>
-              <a:rPr lang="en-IN" altLang="en-US" sz="2400">
-                <a:latin typeface="Georgia" panose="02040502050405020303" charset="0"/>
-                <a:cs typeface="Georgia" panose="02040502050405020303" charset="0"/>
-              </a:rPr>
-              <a:t>Fasttext </a:t>
+              <a:t>Madhurika Ganiger  :   Fasttext </a:t>
             </a:r>
             <a:r>
               <a:rPr lang="en-IN" altLang="en-US" sz="2400">
@@ -5233,23 +5202,7 @@
                 <a:cs typeface="Georgia" panose="02040502050405020303" charset="0"/>
                 <a:sym typeface="+mn-ea"/>
               </a:rPr>
-              <a:t>Sakshi Tahlani           :   </a:t>
-            </a:r>
-            <a:r>
-              <a:rPr lang="en-US" altLang="en-IN" sz="2400">
-                <a:latin typeface="Georgia" panose="02040502050405020303" charset="0"/>
-                <a:cs typeface="Georgia" panose="02040502050405020303" charset="0"/>
-                <a:sym typeface="+mn-ea"/>
-              </a:rPr>
-              <a:t>Preprocessing , </a:t>
-            </a:r>
-            <a:r>
-              <a:rPr lang="en-IN" altLang="en-US" sz="2400">
-                <a:latin typeface="Georgia" panose="02040502050405020303" charset="0"/>
-                <a:cs typeface="Georgia" panose="02040502050405020303" charset="0"/>
-                <a:sym typeface="+mn-ea"/>
-              </a:rPr>
-              <a:t>Fasttext embeddings, LSTM model.</a:t>
+              <a:t>Sakshi Tahlani           :   Fasttext embeddings, LSTM model.</a:t>
             </a:r>
             <a:endParaRPr lang="en-IN" altLang="en-US" sz="2400">
               <a:latin typeface="Georgia" panose="02040502050405020303" charset="0"/>
@@ -5270,14 +5223,6 @@
                 <a:cs typeface="Georgia" panose="02040502050405020303" charset="0"/>
               </a:rPr>
               <a:t>Varun Bohara            :   </a:t>
-            </a:r>
-            <a:r>
-              <a:rPr lang="en-US" altLang="en-IN" sz="2400">
-                <a:latin typeface="Georgia" panose="02040502050405020303" charset="0"/>
-                <a:cs typeface="Georgia" panose="02040502050405020303" charset="0"/>
-                <a:sym typeface="+mn-ea"/>
-              </a:rPr>
-              <a:t>Preprocessing , </a:t>
             </a:r>
             <a:r>
               <a:rPr lang="en-IN" altLang="en-US" sz="2400">
@@ -5910,7 +5855,6 @@
           <a:p>
             <a:r>
               <a:rPr lang="en-US" sz="4000" b="1" dirty="0">
-                <a:ln/>
                 <a:solidFill>
                   <a:schemeClr val="tx1"/>
                 </a:solidFill>
@@ -5927,7 +5871,6 @@
               <a:t>Flow Chart</a:t>
             </a:r>
             <a:endParaRPr lang="en-US" sz="4000" b="1" dirty="0">
-              <a:ln/>
               <a:solidFill>
                 <a:schemeClr val="tx1"/>
               </a:solidFill>
@@ -6783,10 +6726,10 @@
                         <a:buNone/>
                       </a:pPr>
                       <a:r>
-                        <a:rPr lang="en-IN" altLang="en-US" sz="1600" b="0"/>
+                        <a:rPr lang="en-IN" altLang="en-US" sz="1600" b="1"/>
                         <a:t>81.63</a:t>
                       </a:r>
-                      <a:endParaRPr lang="en-IN" altLang="en-US" sz="1600" b="0"/>
+                      <a:endParaRPr lang="en-IN" altLang="en-US" sz="1600" b="1"/>
                     </a:p>
                   </a:txBody>
                   <a:tcPr/>
@@ -6802,10 +6745,10 @@
                         <a:buNone/>
                       </a:pPr>
                       <a:r>
-                        <a:rPr lang="en-IN" altLang="en-US" sz="1600"/>
+                        <a:rPr lang="en-IN" altLang="en-US" sz="1600" b="1"/>
                         <a:t>78.93</a:t>
                       </a:r>
-                      <a:endParaRPr lang="en-IN" altLang="en-US" sz="1600"/>
+                      <a:endParaRPr lang="en-IN" altLang="en-US" sz="1600" b="1"/>
                     </a:p>
                   </a:txBody>
                   <a:tcPr/>
@@ -6821,10 +6764,10 @@
                         <a:buNone/>
                       </a:pPr>
                       <a:r>
-                        <a:rPr lang="en-IN" altLang="en-US" sz="1600"/>
+                        <a:rPr lang="en-IN" altLang="en-US" sz="1600" b="1"/>
                         <a:t>85.6</a:t>
                       </a:r>
-                      <a:endParaRPr lang="en-IN" altLang="en-US" sz="1600"/>
+                      <a:endParaRPr lang="en-IN" altLang="en-US" sz="1600" b="1"/>
                     </a:p>
                   </a:txBody>
                   <a:tcPr/>
@@ -6840,10 +6783,10 @@
                         <a:buNone/>
                       </a:pPr>
                       <a:r>
-                        <a:rPr lang="en-IN" altLang="en-US" sz="1600"/>
+                        <a:rPr lang="en-IN" altLang="en-US" sz="1600" b="1"/>
                         <a:t>85.5</a:t>
                       </a:r>
-                      <a:endParaRPr lang="en-IN" altLang="en-US" sz="1600"/>
+                      <a:endParaRPr lang="en-IN" altLang="en-US" sz="1600" b="1"/>
                     </a:p>
                   </a:txBody>
                   <a:tcPr/>
@@ -7279,7 +7222,35 @@
                 <a:latin typeface="Georgia" panose="02040502050405020303" charset="0"/>
                 <a:cs typeface="Georgia" panose="02040502050405020303" charset="0"/>
               </a:rPr>
-              <a:t>Linear SVC, when compared to LSTM  outperforms on the given dataset. </a:t>
+              <a:t>Linear SVC, when compared to LSTM </a:t>
+            </a:r>
+            <a:r>
+              <a:rPr lang="en-US" altLang="en-IN" sz="2400">
+                <a:latin typeface="Georgia" panose="02040502050405020303" charset="0"/>
+                <a:cs typeface="Georgia" panose="02040502050405020303" charset="0"/>
+              </a:rPr>
+              <a:t>is </a:t>
+            </a:r>
+            <a:r>
+              <a:rPr lang="en-IN" altLang="en-US" sz="2400">
+                <a:latin typeface="Georgia" panose="02040502050405020303" charset="0"/>
+                <a:cs typeface="Georgia" panose="02040502050405020303" charset="0"/>
+              </a:rPr>
+              <a:t>outperform</a:t>
+            </a:r>
+            <a:r>
+              <a:rPr lang="en-US" altLang="en-IN" sz="2400">
+                <a:latin typeface="Georgia" panose="02040502050405020303" charset="0"/>
+                <a:cs typeface="Georgia" panose="02040502050405020303" charset="0"/>
+              </a:rPr>
+              <a:t>ing</a:t>
+            </a:r>
+            <a:r>
+              <a:rPr lang="en-IN" altLang="en-US" sz="2400">
+                <a:latin typeface="Georgia" panose="02040502050405020303" charset="0"/>
+                <a:cs typeface="Georgia" panose="02040502050405020303" charset="0"/>
+              </a:rPr>
+              <a:t> on the given dataset. </a:t>
             </a:r>
             <a:endParaRPr lang="en-IN" altLang="en-US" sz="2400">
               <a:latin typeface="Georgia" panose="02040502050405020303" charset="0"/>
